--- a/profile-service-presentation.pptx
+++ b/profile-service-presentation.pptx
@@ -5,7 +5,7 @@
     <p:sldMasterId id="2147483648" r:id="rId1"/>
   </p:sldMasterIdLst>
   <p:notesMasterIdLst>
-    <p:notesMasterId r:id="rId14"/>
+    <p:notesMasterId r:id="rId15"/>
   </p:notesMasterIdLst>
   <p:sldIdLst>
     <p:sldId id="256" r:id="rId2"/>
@@ -18,8 +18,9 @@
     <p:sldId id="267" r:id="rId9"/>
     <p:sldId id="265" r:id="rId10"/>
     <p:sldId id="263" r:id="rId11"/>
-    <p:sldId id="264" r:id="rId12"/>
-    <p:sldId id="262" r:id="rId13"/>
+    <p:sldId id="269" r:id="rId12"/>
+    <p:sldId id="264" r:id="rId13"/>
+    <p:sldId id="262" r:id="rId14"/>
   </p:sldIdLst>
   <p:sldSz cx="12192000" cy="6858000"/>
   <p:notesSz cx="6858000" cy="9144000"/>
@@ -690,10 +691,7 @@
           <a:bodyPr/>
           <a:lstStyle/>
           <a:p>
-            <a:r>
-              <a:rPr lang="en-US" dirty="0"/>
-              <a:t>We love hearing from other companies, to see how this service can help them, and how this service can be improved to work better for everyone.</a:t>
-            </a:r>
+            <a:endParaRPr lang="en-US" dirty="0"/>
           </a:p>
         </p:txBody>
       </p:sp>
@@ -723,7 +721,7 @@
     </p:spTree>
     <p:extLst>
       <p:ext uri="{BB962C8B-B14F-4D97-AF65-F5344CB8AC3E}">
-        <p14:creationId xmlns:p14="http://schemas.microsoft.com/office/powerpoint/2010/main" val="3743802539"/>
+        <p14:creationId xmlns:p14="http://schemas.microsoft.com/office/powerpoint/2010/main" val="217827210"/>
       </p:ext>
     </p:extLst>
   </p:cSld>
@@ -777,7 +775,10 @@
           <a:bodyPr/>
           <a:lstStyle/>
           <a:p>
-            <a:endParaRPr lang="en-US"/>
+            <a:r>
+              <a:rPr lang="en-US" dirty="0"/>
+              <a:t>We love hearing from other companies, to see how this service can help them, and how this service can be improved to work better for everyone.</a:t>
+            </a:r>
           </a:p>
         </p:txBody>
       </p:sp>
@@ -799,6 +800,90 @@
             <a:fld id="{6DA5273D-2023-164E-A5BA-BE50A8604587}" type="slidenum">
               <a:rPr lang="en-US" smtClean="0"/>
               <a:t>12</a:t>
+            </a:fld>
+            <a:endParaRPr lang="en-US"/>
+          </a:p>
+        </p:txBody>
+      </p:sp>
+    </p:spTree>
+    <p:extLst>
+      <p:ext uri="{BB962C8B-B14F-4D97-AF65-F5344CB8AC3E}">
+        <p14:creationId xmlns:p14="http://schemas.microsoft.com/office/powerpoint/2010/main" val="3743802539"/>
+      </p:ext>
+    </p:extLst>
+  </p:cSld>
+  <p:clrMapOvr>
+    <a:masterClrMapping/>
+  </p:clrMapOvr>
+</p:notes>
+</file>
+
+<file path=ppt/notesSlides/notesSlide13.xml><?xml version="1.0" encoding="utf-8"?>
+<p:notes xmlns:a="http://schemas.openxmlformats.org/drawingml/2006/main" xmlns:r="http://schemas.openxmlformats.org/officeDocument/2006/relationships" xmlns:p="http://schemas.openxmlformats.org/presentationml/2006/main">
+  <p:cSld>
+    <p:spTree>
+      <p:nvGrpSpPr>
+        <p:cNvPr id="1" name=""/>
+        <p:cNvGrpSpPr/>
+        <p:nvPr/>
+      </p:nvGrpSpPr>
+      <p:grpSpPr>
+        <a:xfrm>
+          <a:off x="0" y="0"/>
+          <a:ext cx="0" cy="0"/>
+          <a:chOff x="0" y="0"/>
+          <a:chExt cx="0" cy="0"/>
+        </a:xfrm>
+      </p:grpSpPr>
+      <p:sp>
+        <p:nvSpPr>
+          <p:cNvPr id="2" name="Slide Image Placeholder 1"/>
+          <p:cNvSpPr>
+            <a:spLocks noGrp="1" noRot="1" noChangeAspect="1"/>
+          </p:cNvSpPr>
+          <p:nvPr>
+            <p:ph type="sldImg"/>
+          </p:nvPr>
+        </p:nvSpPr>
+        <p:spPr/>
+      </p:sp>
+      <p:sp>
+        <p:nvSpPr>
+          <p:cNvPr id="3" name="Notes Placeholder 2"/>
+          <p:cNvSpPr>
+            <a:spLocks noGrp="1"/>
+          </p:cNvSpPr>
+          <p:nvPr>
+            <p:ph type="body" idx="1"/>
+          </p:nvPr>
+        </p:nvSpPr>
+        <p:spPr/>
+        <p:txBody>
+          <a:bodyPr/>
+          <a:lstStyle/>
+          <a:p>
+            <a:endParaRPr lang="en-US"/>
+          </a:p>
+        </p:txBody>
+      </p:sp>
+      <p:sp>
+        <p:nvSpPr>
+          <p:cNvPr id="4" name="Slide Number Placeholder 3"/>
+          <p:cNvSpPr>
+            <a:spLocks noGrp="1"/>
+          </p:cNvSpPr>
+          <p:nvPr>
+            <p:ph type="sldNum" sz="quarter" idx="5"/>
+          </p:nvPr>
+        </p:nvSpPr>
+        <p:spPr/>
+        <p:txBody>
+          <a:bodyPr/>
+          <a:lstStyle/>
+          <a:p>
+            <a:fld id="{6DA5273D-2023-164E-A5BA-BE50A8604587}" type="slidenum">
+              <a:rPr lang="en-US" smtClean="0"/>
+              <a:t>13</a:t>
             </a:fld>
             <a:endParaRPr lang="en-US"/>
           </a:p>
@@ -6376,6 +6461,93 @@
           <p:cNvPr id="2" name="Title 1">
             <a:extLst>
               <a:ext uri="{FF2B5EF4-FFF2-40B4-BE49-F238E27FC236}">
+                <a16:creationId xmlns:a16="http://schemas.microsoft.com/office/drawing/2014/main" id="{5A927706-1ADF-1143-9605-FF0281AD8799}"/>
+              </a:ext>
+            </a:extLst>
+          </p:cNvPr>
+          <p:cNvSpPr>
+            <a:spLocks noGrp="1"/>
+          </p:cNvSpPr>
+          <p:nvPr>
+            <p:ph type="title"/>
+          </p:nvPr>
+        </p:nvSpPr>
+        <p:spPr/>
+        <p:txBody>
+          <a:bodyPr/>
+          <a:lstStyle/>
+          <a:p>
+            <a:r>
+              <a:rPr lang="en-US" dirty="0"/>
+              <a:t>Most Used Endpoints</a:t>
+            </a:r>
+          </a:p>
+        </p:txBody>
+      </p:sp>
+      <p:pic>
+        <p:nvPicPr>
+          <p:cNvPr id="6" name="Content Placeholder 5" descr="A screenshot of a cell phone&#10;&#10;Description automatically generated">
+            <a:extLst>
+              <a:ext uri="{FF2B5EF4-FFF2-40B4-BE49-F238E27FC236}">
+                <a16:creationId xmlns:a16="http://schemas.microsoft.com/office/drawing/2014/main" id="{9EC2C0A0-50AE-0849-B965-A0CA07F959C6}"/>
+              </a:ext>
+            </a:extLst>
+          </p:cNvPr>
+          <p:cNvPicPr>
+            <a:picLocks noGrp="1" noChangeAspect="1"/>
+          </p:cNvPicPr>
+          <p:nvPr>
+            <p:ph idx="1"/>
+          </p:nvPr>
+        </p:nvPicPr>
+        <p:blipFill>
+          <a:blip r:embed="rId3"/>
+          <a:stretch>
+            <a:fillRect/>
+          </a:stretch>
+        </p:blipFill>
+        <p:spPr>
+          <a:xfrm>
+            <a:off x="1746893" y="1703071"/>
+            <a:ext cx="8822682" cy="4207000"/>
+          </a:xfrm>
+        </p:spPr>
+      </p:pic>
+    </p:spTree>
+    <p:extLst>
+      <p:ext uri="{BB962C8B-B14F-4D97-AF65-F5344CB8AC3E}">
+        <p14:creationId xmlns:p14="http://schemas.microsoft.com/office/powerpoint/2010/main" val="3762146096"/>
+      </p:ext>
+    </p:extLst>
+  </p:cSld>
+  <p:clrMapOvr>
+    <a:masterClrMapping/>
+  </p:clrMapOvr>
+</p:sld>
+</file>
+
+<file path=ppt/slides/slide12.xml><?xml version="1.0" encoding="utf-8"?>
+<p:sld xmlns:a="http://schemas.openxmlformats.org/drawingml/2006/main" xmlns:r="http://schemas.openxmlformats.org/officeDocument/2006/relationships" xmlns:p="http://schemas.openxmlformats.org/presentationml/2006/main">
+  <p:cSld>
+    <p:spTree>
+      <p:nvGrpSpPr>
+        <p:cNvPr id="1" name=""/>
+        <p:cNvGrpSpPr/>
+        <p:nvPr/>
+      </p:nvGrpSpPr>
+      <p:grpSpPr>
+        <a:xfrm>
+          <a:off x="0" y="0"/>
+          <a:ext cx="0" cy="0"/>
+          <a:chOff x="0" y="0"/>
+          <a:chExt cx="0" cy="0"/>
+        </a:xfrm>
+      </p:grpSpPr>
+      <p:sp>
+        <p:nvSpPr>
+          <p:cNvPr id="2" name="Title 1">
+            <a:extLst>
+              <a:ext uri="{FF2B5EF4-FFF2-40B4-BE49-F238E27FC236}">
                 <a16:creationId xmlns:a16="http://schemas.microsoft.com/office/drawing/2014/main" id="{FF45BAC4-63B8-AA49-A615-1B3278E63EB9}"/>
               </a:ext>
             </a:extLst>
@@ -6453,7 +6625,7 @@
 </p:sld>
 </file>
 
-<file path=ppt/slides/slide12.xml><?xml version="1.0" encoding="utf-8"?>
+<file path=ppt/slides/slide13.xml><?xml version="1.0" encoding="utf-8"?>
 <p:sld xmlns:a="http://schemas.openxmlformats.org/drawingml/2006/main" xmlns:r="http://schemas.openxmlformats.org/officeDocument/2006/relationships" xmlns:p="http://schemas.openxmlformats.org/presentationml/2006/main">
   <p:cSld>
     <p:spTree>
@@ -7296,7 +7468,7 @@
         <p:spPr>
           <a:xfrm>
             <a:off x="2936383" y="2086377"/>
-            <a:ext cx="6865982" cy="646331"/>
+            <a:ext cx="6930102" cy="2308324"/>
           </a:xfrm>
           <a:prstGeom prst="rect">
             <a:avLst/>
@@ -7318,6 +7490,39 @@
             <a:r>
               <a:rPr lang="en-US" dirty="0"/>
               <a:t>A: By default, all locked profile entries will unlock after 10 minutes.</a:t>
+            </a:r>
+          </a:p>
+          <a:p>
+            <a:endParaRPr lang="en-US" dirty="0"/>
+          </a:p>
+          <a:p>
+            <a:r>
+              <a:rPr lang="en-US" dirty="0"/>
+              <a:t>Q: What if I want to use this in multiple environments?</a:t>
+            </a:r>
+          </a:p>
+          <a:p>
+            <a:r>
+              <a:rPr lang="en-US" dirty="0"/>
+              <a:t>A: At GoDaddy, we put the environment in the profile name</a:t>
+            </a:r>
+          </a:p>
+          <a:p>
+            <a:r>
+              <a:rPr lang="en-US" dirty="0"/>
+              <a:t>    blog-dev</a:t>
+            </a:r>
+          </a:p>
+          <a:p>
+            <a:r>
+              <a:rPr lang="en-US" dirty="0"/>
+              <a:t>    blog-test</a:t>
+            </a:r>
+          </a:p>
+          <a:p>
+            <a:r>
+              <a:rPr lang="en-US" dirty="0"/>
+              <a:t>    blog-prod</a:t>
             </a:r>
           </a:p>
         </p:txBody>

--- a/profile-service-presentation.pptx
+++ b/profile-service-presentation.pptx
@@ -1130,7 +1130,7 @@
           <a:p>
             <a:r>
               <a:rPr lang="en-US" dirty="0"/>
-              <a:t>Just like the bucket service that I presented last year, there are two kinds of endpoints in our profile service. Profile endpoints and Profile Entries endpoints. The Profile endpoints are used to interact with the profile as a whole</a:t>
+              <a:t>Just like the bucket service that I presented last year, there are two kinds of endpoints in our profile service. Profile endpoints and Profile Entries endpoints. The Profile endpoints are used to interact with the profile as a whole. So you can get all profile entries for a profile, or all profile entries total. You can also release all profile entries, or delete all profile entries for an entire profile. As well as adding new profile entries tied to a profile name.</a:t>
             </a:r>
           </a:p>
         </p:txBody>
@@ -1217,21 +1217,8 @@
           <a:p>
             <a:r>
               <a:rPr lang="en-US" dirty="0"/>
-              <a:t>You may have a profile for basic plan accounts, and another one for a pro </a:t>
-            </a:r>
-            <a:r>
-              <a:rPr lang="en-US"/>
-              <a:t>plan accounts, </a:t>
-            </a:r>
-            <a:r>
-              <a:rPr lang="en-US" dirty="0"/>
-              <a:t>and even a third one for custom </a:t>
-            </a:r>
-            <a:r>
-              <a:rPr lang="en-US"/>
-              <a:t>plan accounts. </a:t>
-            </a:r>
-            <a:endParaRPr lang="en-US" dirty="0"/>
+              <a:t>The profile entries endpoints are for interacting with a single profile. You can get, update, delete, or release a profile. That first endpoint should probably be under the other section, since it lets you search for all profile entries with a certain key/value pair. You may have a profile for basic plan accounts, and another one for a pro plan accounts, and even a third one for custom plan accounts.</a:t>
+            </a:r>
           </a:p>
         </p:txBody>
       </p:sp>
@@ -1465,7 +1452,7 @@
                 <a:ea typeface="+mn-ea"/>
                 <a:cs typeface="+mn-cs"/>
               </a:rPr>
-              <a:t>bucket-service-</a:t>
+              <a:t>profile-service-</a:t>
             </a:r>
             <a:r>
               <a:rPr lang="en-US" sz="1200" kern="1200" dirty="0" err="1">
@@ -1489,7 +1476,7 @@
                 <a:ea typeface="+mn-ea"/>
                 <a:cs typeface="+mn-cs"/>
               </a:rPr>
-              <a:t> - Populates the bucket service with a project,  two tests and gets all tests in the bucket service and prints them out.</a:t>
+              <a:t> - Populates the profile service with 3 profile entries.</a:t>
             </a:r>
           </a:p>
           <a:p>
@@ -1520,55 +1507,7 @@
                 <a:ea typeface="+mn-ea"/>
                 <a:cs typeface="+mn-cs"/>
               </a:rPr>
-              <a:t>    create-example-</a:t>
-            </a:r>
-            <a:r>
-              <a:rPr lang="en-US" sz="1200" kern="1200" dirty="0" err="1">
-                <a:solidFill>
-                  <a:schemeClr val="tx1"/>
-                </a:solidFill>
-                <a:effectLst/>
-                <a:latin typeface="+mn-lt"/>
-                <a:ea typeface="+mn-ea"/>
-                <a:cs typeface="+mn-cs"/>
-              </a:rPr>
-              <a:t>list.py</a:t>
-            </a:r>
-            <a:r>
-              <a:rPr lang="en-US" sz="1200" kern="1200" dirty="0">
-                <a:solidFill>
-                  <a:schemeClr val="tx1"/>
-                </a:solidFill>
-                <a:effectLst/>
-                <a:latin typeface="+mn-lt"/>
-                <a:ea typeface="+mn-ea"/>
-                <a:cs typeface="+mn-cs"/>
-              </a:rPr>
-              <a:t> – Hits the search endpoint of the bucket service for the specific bucket requested. Writes out an </a:t>
-            </a:r>
-            <a:r>
-              <a:rPr lang="en-US" sz="1200" kern="1200" dirty="0" err="1">
-                <a:solidFill>
-                  <a:schemeClr val="tx1"/>
-                </a:solidFill>
-                <a:effectLst/>
-                <a:latin typeface="+mn-lt"/>
-                <a:ea typeface="+mn-ea"/>
-                <a:cs typeface="+mn-cs"/>
-              </a:rPr>
-              <a:t>examples.txt</a:t>
-            </a:r>
-            <a:r>
-              <a:rPr lang="en-US" sz="1200" kern="1200" dirty="0">
-                <a:solidFill>
-                  <a:schemeClr val="tx1"/>
-                </a:solidFill>
-                <a:effectLst/>
-                <a:latin typeface="+mn-lt"/>
-                <a:ea typeface="+mn-ea"/>
-                <a:cs typeface="+mn-cs"/>
-              </a:rPr>
-              <a:t> file which will be read from a shell script.</a:t>
+              <a:t>    test_spec1.rb &amp; test_spec2.rb – The individual tests to run</a:t>
             </a:r>
           </a:p>
           <a:p>
@@ -1599,7 +1538,7 @@
                 <a:ea typeface="+mn-ea"/>
                 <a:cs typeface="+mn-cs"/>
               </a:rPr>
-              <a:t>    run-chrome-</a:t>
+              <a:t>    </a:t>
             </a:r>
             <a:r>
               <a:rPr lang="en-US" sz="1200" kern="1200" dirty="0" err="1">
@@ -1611,7 +1550,7 @@
                 <a:ea typeface="+mn-ea"/>
                 <a:cs typeface="+mn-cs"/>
               </a:rPr>
-              <a:t>specs.sh</a:t>
+              <a:t>parallel_rspec</a:t>
             </a:r>
             <a:r>
               <a:rPr lang="en-US" sz="1200" kern="1200" dirty="0">
@@ -1623,80 +1562,27 @@
                 <a:ea typeface="+mn-ea"/>
                 <a:cs typeface="+mn-cs"/>
               </a:rPr>
-              <a:t> – Runs the create-example-list script which creates the </a:t>
-            </a:r>
-            <a:r>
-              <a:rPr lang="en-US" sz="1200" kern="1200" dirty="0" err="1">
-                <a:solidFill>
-                  <a:schemeClr val="tx1"/>
-                </a:solidFill>
-                <a:effectLst/>
-                <a:latin typeface="+mn-lt"/>
-                <a:ea typeface="+mn-ea"/>
-                <a:cs typeface="+mn-cs"/>
-              </a:rPr>
-              <a:t>examples.txt</a:t>
-            </a:r>
-            <a:r>
-              <a:rPr lang="en-US" sz="1200" kern="1200" dirty="0">
-                <a:solidFill>
-                  <a:schemeClr val="tx1"/>
-                </a:solidFill>
-                <a:effectLst/>
-                <a:latin typeface="+mn-lt"/>
-                <a:ea typeface="+mn-ea"/>
-                <a:cs typeface="+mn-cs"/>
-              </a:rPr>
-              <a:t> file for all tests with the </a:t>
-            </a:r>
-            <a:r>
-              <a:rPr lang="en-US" sz="1200" kern="1200" dirty="0" err="1">
-                <a:solidFill>
-                  <a:schemeClr val="tx1"/>
-                </a:solidFill>
-                <a:effectLst/>
-                <a:latin typeface="+mn-lt"/>
-                <a:ea typeface="+mn-ea"/>
-                <a:cs typeface="+mn-cs"/>
-              </a:rPr>
-              <a:t>dt_chrome_regression</a:t>
-            </a:r>
-            <a:r>
-              <a:rPr lang="en-US" sz="1200" kern="1200" dirty="0">
-                <a:solidFill>
-                  <a:schemeClr val="tx1"/>
-                </a:solidFill>
-                <a:effectLst/>
-                <a:latin typeface="+mn-lt"/>
-                <a:ea typeface="+mn-ea"/>
-                <a:cs typeface="+mn-cs"/>
-              </a:rPr>
-              <a:t> bucket. Runs </a:t>
-            </a:r>
-            <a:r>
-              <a:rPr lang="en-US" sz="1200" kern="1200" dirty="0" err="1">
-                <a:solidFill>
-                  <a:schemeClr val="tx1"/>
-                </a:solidFill>
-                <a:effectLst/>
-                <a:latin typeface="+mn-lt"/>
-                <a:ea typeface="+mn-ea"/>
-                <a:cs typeface="+mn-cs"/>
-              </a:rPr>
-              <a:t>rspec</a:t>
-            </a:r>
-            <a:r>
-              <a:rPr lang="en-US" sz="1200" kern="1200" dirty="0">
-                <a:solidFill>
-                  <a:schemeClr val="tx1"/>
-                </a:solidFill>
-                <a:effectLst/>
-                <a:latin typeface="+mn-lt"/>
-                <a:ea typeface="+mn-ea"/>
-                <a:cs typeface="+mn-cs"/>
-              </a:rPr>
-              <a:t> and passes in those examples from the txt file.</a:t>
-            </a:r>
+              <a:t> spec/* -n 2</a:t>
+            </a:r>
+          </a:p>
+          <a:p>
+            <a:pPr marL="0" marR="0" lvl="0" indent="0" algn="l" defTabSz="914400" rtl="0" eaLnBrk="1" fontAlgn="auto" latinLnBrk="0" hangingPunct="1">
+              <a:lnSpc>
+                <a:spcPct val="100000"/>
+              </a:lnSpc>
+              <a:spcBef>
+                <a:spcPts val="0"/>
+              </a:spcBef>
+              <a:spcAft>
+                <a:spcPts val="0"/>
+              </a:spcAft>
+              <a:buClrTx/>
+              <a:buSzTx/>
+              <a:buFontTx/>
+              <a:buNone/>
+              <a:tabLst/>
+              <a:defRPr/>
+            </a:pPr>
             <a:endParaRPr lang="en-US" dirty="0"/>
           </a:p>
         </p:txBody>
@@ -6910,7 +6796,7 @@
           <a:p>
             <a:r>
               <a:rPr lang="en-US" dirty="0"/>
-              <a:t>Don’t let 2 tests use the same test data!</a:t>
+              <a:t>Don’t let 2 tests use the same test data at the same time!</a:t>
             </a:r>
           </a:p>
         </p:txBody>

--- a/profile-service-presentation.pptx
+++ b/profile-service-presentation.pptx
@@ -5,7 +5,7 @@
     <p:sldMasterId id="2147483648" r:id="rId1"/>
   </p:sldMasterIdLst>
   <p:notesMasterIdLst>
-    <p:notesMasterId r:id="rId15"/>
+    <p:notesMasterId r:id="rId16"/>
   </p:notesMasterIdLst>
   <p:sldIdLst>
     <p:sldId id="256" r:id="rId2"/>
@@ -14,13 +14,14 @@
     <p:sldId id="259" r:id="rId5"/>
     <p:sldId id="260" r:id="rId6"/>
     <p:sldId id="266" r:id="rId7"/>
-    <p:sldId id="261" r:id="rId8"/>
-    <p:sldId id="267" r:id="rId9"/>
-    <p:sldId id="265" r:id="rId10"/>
-    <p:sldId id="263" r:id="rId11"/>
-    <p:sldId id="269" r:id="rId12"/>
-    <p:sldId id="264" r:id="rId13"/>
-    <p:sldId id="262" r:id="rId14"/>
+    <p:sldId id="270" r:id="rId8"/>
+    <p:sldId id="261" r:id="rId9"/>
+    <p:sldId id="267" r:id="rId10"/>
+    <p:sldId id="265" r:id="rId11"/>
+    <p:sldId id="263" r:id="rId12"/>
+    <p:sldId id="269" r:id="rId13"/>
+    <p:sldId id="264" r:id="rId14"/>
+    <p:sldId id="262" r:id="rId15"/>
   </p:sldIdLst>
   <p:sldSz cx="12192000" cy="6858000"/>
   <p:notesSz cx="6858000" cy="9144000"/>
@@ -522,7 +523,35 @@
           <a:p>
             <a:r>
               <a:rPr lang="en-US" dirty="0"/>
-              <a:t>Hi all. This presentation is about the profile service that we open sourced at GoDaddy. With this service, you can lock test data, to use it in your tests without having to worry about another test using the same data.</a:t>
+              <a:t>Hi all. This presentation is about the profile service that we open sourced at GoDaddy. With this service, you can lock test data, to use it in your tests without having to worry about another test using the same data. Originally, this service was bundled with the bucket service I presented last year. It was originally created by another engineer here at </a:t>
+            </a:r>
+            <a:r>
+              <a:rPr lang="en-US" dirty="0" err="1"/>
+              <a:t>Godaddy</a:t>
+            </a:r>
+            <a:r>
+              <a:rPr lang="en-US" dirty="0"/>
+              <a:t>, Dan Clayton. The SDET team has since forked it internally, and now we released our internal version on </a:t>
+            </a:r>
+            <a:r>
+              <a:rPr lang="en-US"/>
+              <a:t>the GoDaddy </a:t>
+            </a:r>
+            <a:r>
+              <a:rPr lang="en-US" dirty="0" err="1"/>
+              <a:t>github</a:t>
+            </a:r>
+            <a:r>
+              <a:rPr lang="en-US" dirty="0"/>
+              <a:t>. You can see some of the differences on the </a:t>
+            </a:r>
+            <a:r>
+              <a:rPr lang="en-US" dirty="0" err="1"/>
+              <a:t>github.com</a:t>
+            </a:r>
+            <a:r>
+              <a:rPr lang="en-US" dirty="0"/>
+              <a:t> profile service page.</a:t>
             </a:r>
           </a:p>
         </p:txBody>
@@ -607,7 +636,10 @@
           <a:bodyPr/>
           <a:lstStyle/>
           <a:p>
-            <a:endParaRPr lang="en-US" dirty="0"/>
+            <a:r>
+              <a:rPr lang="en-US" dirty="0"/>
+              <a:t>A lot of people get confused on this part. Profiles do not get created. Once you add a profile entry to the profile service, with a specific profile name, you can access it.</a:t>
+            </a:r>
           </a:p>
         </p:txBody>
       </p:sp>
@@ -637,7 +669,7 @@
     </p:spTree>
     <p:extLst>
       <p:ext uri="{BB962C8B-B14F-4D97-AF65-F5344CB8AC3E}">
-        <p14:creationId xmlns:p14="http://schemas.microsoft.com/office/powerpoint/2010/main" val="3638952231"/>
+        <p14:creationId xmlns:p14="http://schemas.microsoft.com/office/powerpoint/2010/main" val="1537641501"/>
       </p:ext>
     </p:extLst>
   </p:cSld>
@@ -721,7 +753,7 @@
     </p:spTree>
     <p:extLst>
       <p:ext uri="{BB962C8B-B14F-4D97-AF65-F5344CB8AC3E}">
-        <p14:creationId xmlns:p14="http://schemas.microsoft.com/office/powerpoint/2010/main" val="217827210"/>
+        <p14:creationId xmlns:p14="http://schemas.microsoft.com/office/powerpoint/2010/main" val="3638952231"/>
       </p:ext>
     </p:extLst>
   </p:cSld>
@@ -775,10 +807,7 @@
           <a:bodyPr/>
           <a:lstStyle/>
           <a:p>
-            <a:r>
-              <a:rPr lang="en-US" dirty="0"/>
-              <a:t>We love hearing from other companies, to see how this service can help them, and how this service can be improved to work better for everyone.</a:t>
-            </a:r>
+            <a:endParaRPr lang="en-US" dirty="0"/>
           </a:p>
         </p:txBody>
       </p:sp>
@@ -808,7 +837,7 @@
     </p:spTree>
     <p:extLst>
       <p:ext uri="{BB962C8B-B14F-4D97-AF65-F5344CB8AC3E}">
-        <p14:creationId xmlns:p14="http://schemas.microsoft.com/office/powerpoint/2010/main" val="3743802539"/>
+        <p14:creationId xmlns:p14="http://schemas.microsoft.com/office/powerpoint/2010/main" val="217827210"/>
       </p:ext>
     </p:extLst>
   </p:cSld>
@@ -862,7 +891,10 @@
           <a:bodyPr/>
           <a:lstStyle/>
           <a:p>
-            <a:endParaRPr lang="en-US"/>
+            <a:r>
+              <a:rPr lang="en-US" dirty="0"/>
+              <a:t>We love hearing from other companies, to see how this service can help them, and how this service can be improved to work better for everyone.</a:t>
+            </a:r>
           </a:p>
         </p:txBody>
       </p:sp>
@@ -884,6 +916,90 @@
             <a:fld id="{6DA5273D-2023-164E-A5BA-BE50A8604587}" type="slidenum">
               <a:rPr lang="en-US" smtClean="0"/>
               <a:t>13</a:t>
+            </a:fld>
+            <a:endParaRPr lang="en-US"/>
+          </a:p>
+        </p:txBody>
+      </p:sp>
+    </p:spTree>
+    <p:extLst>
+      <p:ext uri="{BB962C8B-B14F-4D97-AF65-F5344CB8AC3E}">
+        <p14:creationId xmlns:p14="http://schemas.microsoft.com/office/powerpoint/2010/main" val="3743802539"/>
+      </p:ext>
+    </p:extLst>
+  </p:cSld>
+  <p:clrMapOvr>
+    <a:masterClrMapping/>
+  </p:clrMapOvr>
+</p:notes>
+</file>
+
+<file path=ppt/notesSlides/notesSlide14.xml><?xml version="1.0" encoding="utf-8"?>
+<p:notes xmlns:a="http://schemas.openxmlformats.org/drawingml/2006/main" xmlns:r="http://schemas.openxmlformats.org/officeDocument/2006/relationships" xmlns:p="http://schemas.openxmlformats.org/presentationml/2006/main">
+  <p:cSld>
+    <p:spTree>
+      <p:nvGrpSpPr>
+        <p:cNvPr id="1" name=""/>
+        <p:cNvGrpSpPr/>
+        <p:nvPr/>
+      </p:nvGrpSpPr>
+      <p:grpSpPr>
+        <a:xfrm>
+          <a:off x="0" y="0"/>
+          <a:ext cx="0" cy="0"/>
+          <a:chOff x="0" y="0"/>
+          <a:chExt cx="0" cy="0"/>
+        </a:xfrm>
+      </p:grpSpPr>
+      <p:sp>
+        <p:nvSpPr>
+          <p:cNvPr id="2" name="Slide Image Placeholder 1"/>
+          <p:cNvSpPr>
+            <a:spLocks noGrp="1" noRot="1" noChangeAspect="1"/>
+          </p:cNvSpPr>
+          <p:nvPr>
+            <p:ph type="sldImg"/>
+          </p:nvPr>
+        </p:nvSpPr>
+        <p:spPr/>
+      </p:sp>
+      <p:sp>
+        <p:nvSpPr>
+          <p:cNvPr id="3" name="Notes Placeholder 2"/>
+          <p:cNvSpPr>
+            <a:spLocks noGrp="1"/>
+          </p:cNvSpPr>
+          <p:nvPr>
+            <p:ph type="body" idx="1"/>
+          </p:nvPr>
+        </p:nvSpPr>
+        <p:spPr/>
+        <p:txBody>
+          <a:bodyPr/>
+          <a:lstStyle/>
+          <a:p>
+            <a:endParaRPr lang="en-US"/>
+          </a:p>
+        </p:txBody>
+      </p:sp>
+      <p:sp>
+        <p:nvSpPr>
+          <p:cNvPr id="4" name="Slide Number Placeholder 3"/>
+          <p:cNvSpPr>
+            <a:spLocks noGrp="1"/>
+          </p:cNvSpPr>
+          <p:nvPr>
+            <p:ph type="sldNum" sz="quarter" idx="5"/>
+          </p:nvPr>
+        </p:nvSpPr>
+        <p:spPr/>
+        <p:txBody>
+          <a:bodyPr/>
+          <a:lstStyle/>
+          <a:p>
+            <a:fld id="{6DA5273D-2023-164E-A5BA-BE50A8604587}" type="slidenum">
+              <a:rPr lang="en-US" smtClean="0"/>
+              <a:t>14</a:t>
             </a:fld>
             <a:endParaRPr lang="en-US"/>
           </a:p>
@@ -1302,19 +1418,7 @@
           <a:bodyPr/>
           <a:lstStyle/>
           <a:p>
-            <a:r>
-              <a:rPr lang="en-US" dirty="0"/>
-              <a:t>Show steps, and swagger</a:t>
-            </a:r>
-          </a:p>
-          <a:p>
             <a:endParaRPr lang="en-US" dirty="0"/>
-          </a:p>
-          <a:p>
-            <a:r>
-              <a:rPr lang="en-US" dirty="0"/>
-              <a:t>We use docker to run mongo, but you don’t have to.</a:t>
-            </a:r>
           </a:p>
         </p:txBody>
       </p:sp>
@@ -1398,192 +1502,19 @@
           <a:bodyPr/>
           <a:lstStyle/>
           <a:p>
-            <a:pPr marL="0" marR="0" lvl="0" indent="0" algn="l" defTabSz="914400" rtl="0" eaLnBrk="1" fontAlgn="auto" latinLnBrk="0" hangingPunct="1">
-              <a:lnSpc>
-                <a:spcPct val="100000"/>
-              </a:lnSpc>
-              <a:spcBef>
-                <a:spcPts val="0"/>
-              </a:spcBef>
-              <a:spcAft>
-                <a:spcPts val="0"/>
-              </a:spcAft>
-              <a:buClrTx/>
-              <a:buSzTx/>
-              <a:buFontTx/>
-              <a:buNone/>
-              <a:tabLst/>
-              <a:defRPr/>
-            </a:pPr>
-            <a:r>
-              <a:rPr lang="en-US" dirty="0"/>
-              <a:t>Show:</a:t>
-            </a:r>
-          </a:p>
-          <a:p>
-            <a:pPr marL="0" marR="0" lvl="0" indent="0" algn="l" defTabSz="914400" rtl="0" eaLnBrk="1" fontAlgn="auto" latinLnBrk="0" hangingPunct="1">
-              <a:lnSpc>
-                <a:spcPct val="100000"/>
-              </a:lnSpc>
-              <a:spcBef>
-                <a:spcPts val="0"/>
-              </a:spcBef>
-              <a:spcAft>
-                <a:spcPts val="0"/>
-              </a:spcAft>
-              <a:buClrTx/>
-              <a:buSzTx/>
-              <a:buFontTx/>
-              <a:buNone/>
-              <a:tabLst/>
-              <a:defRPr/>
-            </a:pPr>
-            <a:r>
-              <a:rPr lang="en-US" dirty="0"/>
-              <a:t>    </a:t>
-            </a:r>
-            <a:r>
-              <a:rPr lang="en-US" sz="1200" kern="1200" dirty="0">
-                <a:solidFill>
-                  <a:schemeClr val="tx1"/>
-                </a:solidFill>
-                <a:effectLst/>
-                <a:latin typeface="+mn-lt"/>
-                <a:ea typeface="+mn-ea"/>
-                <a:cs typeface="+mn-cs"/>
-              </a:rPr>
-              <a:t>profile-service-</a:t>
-            </a:r>
-            <a:r>
-              <a:rPr lang="en-US" sz="1200" kern="1200" dirty="0" err="1">
-                <a:solidFill>
-                  <a:schemeClr val="tx1"/>
-                </a:solidFill>
-                <a:effectLst/>
-                <a:latin typeface="+mn-lt"/>
-                <a:ea typeface="+mn-ea"/>
-                <a:cs typeface="+mn-cs"/>
-              </a:rPr>
-              <a:t>example.rb</a:t>
-            </a:r>
-            <a:r>
-              <a:rPr lang="en-US" sz="1200" kern="1200" dirty="0">
-                <a:solidFill>
-                  <a:schemeClr val="tx1"/>
-                </a:solidFill>
-                <a:effectLst/>
-                <a:latin typeface="+mn-lt"/>
-                <a:ea typeface="+mn-ea"/>
-                <a:cs typeface="+mn-cs"/>
-              </a:rPr>
-              <a:t> - Populates the profile service with 3 profile entries.</a:t>
-            </a:r>
-          </a:p>
-          <a:p>
-            <a:pPr marL="0" marR="0" lvl="0" indent="0" algn="l" defTabSz="914400" rtl="0" eaLnBrk="1" fontAlgn="auto" latinLnBrk="0" hangingPunct="1">
-              <a:lnSpc>
-                <a:spcPct val="100000"/>
-              </a:lnSpc>
-              <a:spcBef>
-                <a:spcPts val="0"/>
-              </a:spcBef>
-              <a:spcAft>
-                <a:spcPts val="0"/>
-              </a:spcAft>
-              <a:buClrTx/>
-              <a:buSzTx/>
-              <a:buFontTx/>
-              <a:buNone/>
-              <a:tabLst/>
-              <a:defRPr/>
-            </a:pPr>
-            <a:r>
-              <a:rPr lang="en-US" sz="1200" kern="1200" dirty="0">
-                <a:solidFill>
-                  <a:schemeClr val="tx1"/>
-                </a:solidFill>
-                <a:effectLst/>
-                <a:latin typeface="+mn-lt"/>
-                <a:ea typeface="+mn-ea"/>
-                <a:cs typeface="+mn-cs"/>
-              </a:rPr>
-              <a:t>    test_spec1.rb &amp; test_spec2.rb – The individual tests to run</a:t>
-            </a:r>
-          </a:p>
-          <a:p>
-            <a:pPr marL="0" marR="0" lvl="0" indent="0" algn="l" defTabSz="914400" rtl="0" eaLnBrk="1" fontAlgn="auto" latinLnBrk="0" hangingPunct="1">
-              <a:lnSpc>
-                <a:spcPct val="100000"/>
-              </a:lnSpc>
-              <a:spcBef>
-                <a:spcPts val="0"/>
-              </a:spcBef>
-              <a:spcAft>
-                <a:spcPts val="0"/>
-              </a:spcAft>
-              <a:buClrTx/>
-              <a:buSzTx/>
-              <a:buFontTx/>
-              <a:buNone/>
-              <a:tabLst/>
-              <a:defRPr/>
-            </a:pPr>
-            <a:r>
-              <a:rPr lang="en-US" sz="1200" kern="1200" dirty="0">
-                <a:solidFill>
-                  <a:schemeClr val="tx1"/>
-                </a:solidFill>
-                <a:effectLst/>
-                <a:latin typeface="+mn-lt"/>
-                <a:ea typeface="+mn-ea"/>
-                <a:cs typeface="+mn-cs"/>
-              </a:rPr>
-              <a:t>    </a:t>
-            </a:r>
-            <a:r>
-              <a:rPr lang="en-US" sz="1200" kern="1200" dirty="0" err="1">
-                <a:solidFill>
-                  <a:schemeClr val="tx1"/>
-                </a:solidFill>
-                <a:effectLst/>
-                <a:latin typeface="+mn-lt"/>
-                <a:ea typeface="+mn-ea"/>
-                <a:cs typeface="+mn-cs"/>
-              </a:rPr>
-              <a:t>parallel_rspec</a:t>
-            </a:r>
-            <a:r>
-              <a:rPr lang="en-US" sz="1200" kern="1200" dirty="0">
-                <a:solidFill>
-                  <a:schemeClr val="tx1"/>
-                </a:solidFill>
-                <a:effectLst/>
-                <a:latin typeface="+mn-lt"/>
-                <a:ea typeface="+mn-ea"/>
-                <a:cs typeface="+mn-cs"/>
-              </a:rPr>
-              <a:t> spec/* -n 2</a:t>
-            </a:r>
-          </a:p>
-          <a:p>
-            <a:pPr marL="0" marR="0" lvl="0" indent="0" algn="l" defTabSz="914400" rtl="0" eaLnBrk="1" fontAlgn="auto" latinLnBrk="0" hangingPunct="1">
-              <a:lnSpc>
-                <a:spcPct val="100000"/>
-              </a:lnSpc>
-              <a:spcBef>
-                <a:spcPts val="0"/>
-              </a:spcBef>
-              <a:spcAft>
-                <a:spcPts val="0"/>
-              </a:spcAft>
-              <a:buClrTx/>
-              <a:buSzTx/>
-              <a:buFontTx/>
-              <a:buNone/>
-              <a:tabLst/>
-              <a:defRPr/>
-            </a:pPr>
+            <a:r>
+              <a:rPr lang="en-US" dirty="0"/>
+              <a:t>Show steps, and swagger</a:t>
+            </a:r>
+          </a:p>
+          <a:p>
             <a:endParaRPr lang="en-US" dirty="0"/>
+          </a:p>
+          <a:p>
+            <a:r>
+              <a:rPr lang="en-US" dirty="0"/>
+              <a:t>We use docker to run mongo, but you don’t have to.</a:t>
+            </a:r>
           </a:p>
         </p:txBody>
       </p:sp>
@@ -1613,7 +1544,7 @@
     </p:spTree>
     <p:extLst>
       <p:ext uri="{BB962C8B-B14F-4D97-AF65-F5344CB8AC3E}">
-        <p14:creationId xmlns:p14="http://schemas.microsoft.com/office/powerpoint/2010/main" val="372442296"/>
+        <p14:creationId xmlns:p14="http://schemas.microsoft.com/office/powerpoint/2010/main" val="3649667687"/>
       </p:ext>
     </p:extLst>
   </p:cSld>
@@ -1667,10 +1598,188 @@
           <a:bodyPr/>
           <a:lstStyle/>
           <a:p>
-            <a:r>
-              <a:rPr lang="en-US" dirty="0"/>
-              <a:t>The default timeout of a profile entry is 10 minutes. This is assuming that a test will not take longer than 10 minutes.</a:t>
-            </a:r>
+            <a:pPr marL="0" marR="0" lvl="0" indent="0" algn="l" defTabSz="914400" rtl="0" eaLnBrk="1" fontAlgn="auto" latinLnBrk="0" hangingPunct="1">
+              <a:lnSpc>
+                <a:spcPct val="100000"/>
+              </a:lnSpc>
+              <a:spcBef>
+                <a:spcPts val="0"/>
+              </a:spcBef>
+              <a:spcAft>
+                <a:spcPts val="0"/>
+              </a:spcAft>
+              <a:buClrTx/>
+              <a:buSzTx/>
+              <a:buFontTx/>
+              <a:buNone/>
+              <a:tabLst/>
+              <a:defRPr/>
+            </a:pPr>
+            <a:r>
+              <a:rPr lang="en-US" dirty="0"/>
+              <a:t>Show:</a:t>
+            </a:r>
+          </a:p>
+          <a:p>
+            <a:pPr marL="0" marR="0" lvl="0" indent="0" algn="l" defTabSz="914400" rtl="0" eaLnBrk="1" fontAlgn="auto" latinLnBrk="0" hangingPunct="1">
+              <a:lnSpc>
+                <a:spcPct val="100000"/>
+              </a:lnSpc>
+              <a:spcBef>
+                <a:spcPts val="0"/>
+              </a:spcBef>
+              <a:spcAft>
+                <a:spcPts val="0"/>
+              </a:spcAft>
+              <a:buClrTx/>
+              <a:buSzTx/>
+              <a:buFontTx/>
+              <a:buNone/>
+              <a:tabLst/>
+              <a:defRPr/>
+            </a:pPr>
+            <a:r>
+              <a:rPr lang="en-US" sz="1200" kern="1200" dirty="0">
+                <a:solidFill>
+                  <a:schemeClr val="tx1"/>
+                </a:solidFill>
+                <a:effectLst/>
+                <a:latin typeface="+mn-lt"/>
+                <a:ea typeface="+mn-ea"/>
+                <a:cs typeface="+mn-cs"/>
+              </a:rPr>
+              <a:t>    profile-service-</a:t>
+            </a:r>
+            <a:r>
+              <a:rPr lang="en-US" sz="1200" kern="1200" dirty="0" err="1">
+                <a:solidFill>
+                  <a:schemeClr val="tx1"/>
+                </a:solidFill>
+                <a:effectLst/>
+                <a:latin typeface="+mn-lt"/>
+                <a:ea typeface="+mn-ea"/>
+                <a:cs typeface="+mn-cs"/>
+              </a:rPr>
+              <a:t>example.rb</a:t>
+            </a:r>
+            <a:r>
+              <a:rPr lang="en-US" sz="1200" kern="1200" dirty="0">
+                <a:solidFill>
+                  <a:schemeClr val="tx1"/>
+                </a:solidFill>
+                <a:effectLst/>
+                <a:latin typeface="+mn-lt"/>
+                <a:ea typeface="+mn-ea"/>
+                <a:cs typeface="+mn-cs"/>
+              </a:rPr>
+              <a:t> - Populates the profile service with 3 profile entries.</a:t>
+            </a:r>
+          </a:p>
+          <a:p>
+            <a:pPr marL="0" marR="0" lvl="0" indent="0" algn="l" defTabSz="914400" rtl="0" eaLnBrk="1" fontAlgn="auto" latinLnBrk="0" hangingPunct="1">
+              <a:lnSpc>
+                <a:spcPct val="100000"/>
+              </a:lnSpc>
+              <a:spcBef>
+                <a:spcPts val="0"/>
+              </a:spcBef>
+              <a:spcAft>
+                <a:spcPts val="0"/>
+              </a:spcAft>
+              <a:buClrTx/>
+              <a:buSzTx/>
+              <a:buFontTx/>
+              <a:buNone/>
+              <a:tabLst/>
+              <a:defRPr/>
+            </a:pPr>
+            <a:r>
+              <a:rPr lang="en-US" sz="1200" kern="1200" dirty="0">
+                <a:solidFill>
+                  <a:schemeClr val="tx1"/>
+                </a:solidFill>
+                <a:effectLst/>
+                <a:latin typeface="+mn-lt"/>
+                <a:ea typeface="+mn-ea"/>
+                <a:cs typeface="+mn-cs"/>
+              </a:rPr>
+              <a:t>    test_spec1.rb &amp; test_spec2.rb – The individual tests to run</a:t>
+            </a:r>
+          </a:p>
+          <a:p>
+            <a:pPr marL="0" marR="0" lvl="0" indent="0" algn="l" defTabSz="914400" rtl="0" eaLnBrk="1" fontAlgn="auto" latinLnBrk="0" hangingPunct="1">
+              <a:lnSpc>
+                <a:spcPct val="100000"/>
+              </a:lnSpc>
+              <a:spcBef>
+                <a:spcPts val="0"/>
+              </a:spcBef>
+              <a:spcAft>
+                <a:spcPts val="0"/>
+              </a:spcAft>
+              <a:buClrTx/>
+              <a:buSzTx/>
+              <a:buFontTx/>
+              <a:buNone/>
+              <a:tabLst/>
+              <a:defRPr/>
+            </a:pPr>
+            <a:r>
+              <a:rPr lang="en-US" sz="1200" kern="1200" dirty="0">
+                <a:solidFill>
+                  <a:schemeClr val="tx1"/>
+                </a:solidFill>
+                <a:effectLst/>
+                <a:latin typeface="+mn-lt"/>
+                <a:ea typeface="+mn-ea"/>
+                <a:cs typeface="+mn-cs"/>
+              </a:rPr>
+              <a:t>    </a:t>
+            </a:r>
+            <a:r>
+              <a:rPr lang="en-US" sz="1200" kern="1200" dirty="0" err="1">
+                <a:solidFill>
+                  <a:schemeClr val="tx1"/>
+                </a:solidFill>
+                <a:effectLst/>
+                <a:latin typeface="+mn-lt"/>
+                <a:ea typeface="+mn-ea"/>
+                <a:cs typeface="+mn-cs"/>
+              </a:rPr>
+              <a:t>parallel_rspec</a:t>
+            </a:r>
+            <a:r>
+              <a:rPr lang="en-US" sz="1200" kern="1200" dirty="0">
+                <a:solidFill>
+                  <a:schemeClr val="tx1"/>
+                </a:solidFill>
+                <a:effectLst/>
+                <a:latin typeface="+mn-lt"/>
+                <a:ea typeface="+mn-ea"/>
+                <a:cs typeface="+mn-cs"/>
+              </a:rPr>
+              <a:t> spec/* -n 2</a:t>
+            </a:r>
+          </a:p>
+          <a:p>
+            <a:pPr marL="0" marR="0" lvl="0" indent="0" algn="l" defTabSz="914400" rtl="0" eaLnBrk="1" fontAlgn="auto" latinLnBrk="0" hangingPunct="1">
+              <a:lnSpc>
+                <a:spcPct val="100000"/>
+              </a:lnSpc>
+              <a:spcBef>
+                <a:spcPts val="0"/>
+              </a:spcBef>
+              <a:spcAft>
+                <a:spcPts val="0"/>
+              </a:spcAft>
+              <a:buClrTx/>
+              <a:buSzTx/>
+              <a:buFontTx/>
+              <a:buNone/>
+              <a:tabLst/>
+              <a:defRPr/>
+            </a:pPr>
+            <a:endParaRPr lang="en-US" dirty="0"/>
           </a:p>
         </p:txBody>
       </p:sp>
@@ -1700,7 +1809,7 @@
     </p:spTree>
     <p:extLst>
       <p:ext uri="{BB962C8B-B14F-4D97-AF65-F5344CB8AC3E}">
-        <p14:creationId xmlns:p14="http://schemas.microsoft.com/office/powerpoint/2010/main" val="883807855"/>
+        <p14:creationId xmlns:p14="http://schemas.microsoft.com/office/powerpoint/2010/main" val="372442296"/>
       </p:ext>
     </p:extLst>
   </p:cSld>
@@ -1756,7 +1865,7 @@
           <a:p>
             <a:r>
               <a:rPr lang="en-US" dirty="0"/>
-              <a:t>A lot of people get confused on this part. Profiles do not get created. Once you add a profile entry to the profile service, with a specific profile name, you can access it.</a:t>
+              <a:t>The default timeout of a profile entry is 10 minutes. This is assuming that a test will not take longer than 10 minutes.</a:t>
             </a:r>
           </a:p>
         </p:txBody>
@@ -1787,7 +1896,7 @@
     </p:spTree>
     <p:extLst>
       <p:ext uri="{BB962C8B-B14F-4D97-AF65-F5344CB8AC3E}">
-        <p14:creationId xmlns:p14="http://schemas.microsoft.com/office/powerpoint/2010/main" val="1537641501"/>
+        <p14:creationId xmlns:p14="http://schemas.microsoft.com/office/powerpoint/2010/main" val="883807855"/>
       </p:ext>
     </p:extLst>
   </p:cSld>
@@ -6261,7 +6370,7 @@
           <p:cNvPr id="2" name="Title 1">
             <a:extLst>
               <a:ext uri="{FF2B5EF4-FFF2-40B4-BE49-F238E27FC236}">
-                <a16:creationId xmlns:a16="http://schemas.microsoft.com/office/drawing/2014/main" id="{4F762DDF-0621-9E43-AB6E-C5F41E4EA1C1}"/>
+                <a16:creationId xmlns:a16="http://schemas.microsoft.com/office/drawing/2014/main" id="{5465A051-A7F1-F54E-A88E-9CE31463C37C}"/>
               </a:ext>
             </a:extLst>
           </p:cNvPr>
@@ -6279,7 +6388,7 @@
           <a:p>
             <a:r>
               <a:rPr lang="en-US" dirty="0"/>
-              <a:t>Where can I use this?</a:t>
+              <a:t>Gotcha</a:t>
             </a:r>
           </a:p>
         </p:txBody>
@@ -6289,7 +6398,7 @@
           <p:cNvPr id="3" name="Content Placeholder 2">
             <a:extLst>
               <a:ext uri="{FF2B5EF4-FFF2-40B4-BE49-F238E27FC236}">
-                <a16:creationId xmlns:a16="http://schemas.microsoft.com/office/drawing/2014/main" id="{B7185101-2A5F-6B4A-8F2E-AF4808B28AD3}"/>
+                <a16:creationId xmlns:a16="http://schemas.microsoft.com/office/drawing/2014/main" id="{3BC20387-E25F-8848-A33E-0731485D9A98}"/>
               </a:ext>
             </a:extLst>
           </p:cNvPr>
@@ -6300,14 +6409,19 @@
             <p:ph idx="1"/>
           </p:nvPr>
         </p:nvSpPr>
-        <p:spPr/>
-        <p:txBody>
-          <a:bodyPr/>
-          <a:lstStyle/>
-          <a:p>
-            <a:r>
-              <a:rPr lang="en-US" dirty="0"/>
-              <a:t>Everywhere !</a:t>
+        <p:spPr>
+          <a:xfrm>
+            <a:off x="2773599" y="1885285"/>
+            <a:ext cx="7796540" cy="2751159"/>
+          </a:xfrm>
+        </p:spPr>
+        <p:txBody>
+          <a:bodyPr/>
+          <a:lstStyle/>
+          <a:p>
+            <a:r>
+              <a:rPr lang="en-US" dirty="0"/>
+              <a:t>You do not create a profile. You add data to the service with a profile name.</a:t>
             </a:r>
           </a:p>
         </p:txBody>
@@ -6315,7 +6429,7 @@
     </p:spTree>
     <p:extLst>
       <p:ext uri="{BB962C8B-B14F-4D97-AF65-F5344CB8AC3E}">
-        <p14:creationId xmlns:p14="http://schemas.microsoft.com/office/powerpoint/2010/main" val="3145153524"/>
+        <p14:creationId xmlns:p14="http://schemas.microsoft.com/office/powerpoint/2010/main" val="157270856"/>
       </p:ext>
     </p:extLst>
   </p:cSld>
@@ -6347,7 +6461,7 @@
           <p:cNvPr id="2" name="Title 1">
             <a:extLst>
               <a:ext uri="{FF2B5EF4-FFF2-40B4-BE49-F238E27FC236}">
-                <a16:creationId xmlns:a16="http://schemas.microsoft.com/office/drawing/2014/main" id="{5A927706-1ADF-1143-9605-FF0281AD8799}"/>
+                <a16:creationId xmlns:a16="http://schemas.microsoft.com/office/drawing/2014/main" id="{4F762DDF-0621-9E43-AB6E-C5F41E4EA1C1}"/>
               </a:ext>
             </a:extLst>
           </p:cNvPr>
@@ -6365,44 +6479,48 @@
           <a:p>
             <a:r>
               <a:rPr lang="en-US" dirty="0"/>
-              <a:t>Most Used Endpoints</a:t>
-            </a:r>
-          </a:p>
-        </p:txBody>
-      </p:sp>
-      <p:pic>
-        <p:nvPicPr>
-          <p:cNvPr id="6" name="Content Placeholder 5" descr="A screenshot of a cell phone&#10;&#10;Description automatically generated">
+              <a:t>Where can I use this?</a:t>
+            </a:r>
+          </a:p>
+        </p:txBody>
+      </p:sp>
+      <p:sp>
+        <p:nvSpPr>
+          <p:cNvPr id="3" name="Content Placeholder 2">
             <a:extLst>
               <a:ext uri="{FF2B5EF4-FFF2-40B4-BE49-F238E27FC236}">
-                <a16:creationId xmlns:a16="http://schemas.microsoft.com/office/drawing/2014/main" id="{9EC2C0A0-50AE-0849-B965-A0CA07F959C6}"/>
+                <a16:creationId xmlns:a16="http://schemas.microsoft.com/office/drawing/2014/main" id="{B7185101-2A5F-6B4A-8F2E-AF4808B28AD3}"/>
               </a:ext>
             </a:extLst>
           </p:cNvPr>
-          <p:cNvPicPr>
-            <a:picLocks noGrp="1" noChangeAspect="1"/>
-          </p:cNvPicPr>
+          <p:cNvSpPr>
+            <a:spLocks noGrp="1"/>
+          </p:cNvSpPr>
           <p:nvPr>
             <p:ph idx="1"/>
           </p:nvPr>
-        </p:nvPicPr>
-        <p:blipFill>
-          <a:blip r:embed="rId3"/>
-          <a:stretch>
-            <a:fillRect/>
-          </a:stretch>
-        </p:blipFill>
+        </p:nvSpPr>
         <p:spPr>
           <a:xfrm>
-            <a:off x="1746893" y="1703071"/>
-            <a:ext cx="8822682" cy="4207000"/>
-          </a:xfrm>
-        </p:spPr>
-      </p:pic>
+            <a:off x="2773599" y="2052116"/>
+            <a:ext cx="7796540" cy="1767530"/>
+          </a:xfrm>
+        </p:spPr>
+        <p:txBody>
+          <a:bodyPr/>
+          <a:lstStyle/>
+          <a:p>
+            <a:r>
+              <a:rPr lang="en-US" dirty="0"/>
+              <a:t>Everywhere !</a:t>
+            </a:r>
+          </a:p>
+        </p:txBody>
+      </p:sp>
     </p:spTree>
     <p:extLst>
       <p:ext uri="{BB962C8B-B14F-4D97-AF65-F5344CB8AC3E}">
-        <p14:creationId xmlns:p14="http://schemas.microsoft.com/office/powerpoint/2010/main" val="3762146096"/>
+        <p14:creationId xmlns:p14="http://schemas.microsoft.com/office/powerpoint/2010/main" val="3145153524"/>
       </p:ext>
     </p:extLst>
   </p:cSld>
@@ -6434,6 +6552,93 @@
           <p:cNvPr id="2" name="Title 1">
             <a:extLst>
               <a:ext uri="{FF2B5EF4-FFF2-40B4-BE49-F238E27FC236}">
+                <a16:creationId xmlns:a16="http://schemas.microsoft.com/office/drawing/2014/main" id="{5A927706-1ADF-1143-9605-FF0281AD8799}"/>
+              </a:ext>
+            </a:extLst>
+          </p:cNvPr>
+          <p:cNvSpPr>
+            <a:spLocks noGrp="1"/>
+          </p:cNvSpPr>
+          <p:nvPr>
+            <p:ph type="title"/>
+          </p:nvPr>
+        </p:nvSpPr>
+        <p:spPr/>
+        <p:txBody>
+          <a:bodyPr/>
+          <a:lstStyle/>
+          <a:p>
+            <a:r>
+              <a:rPr lang="en-US" dirty="0"/>
+              <a:t>Most Used Endpoints</a:t>
+            </a:r>
+          </a:p>
+        </p:txBody>
+      </p:sp>
+      <p:pic>
+        <p:nvPicPr>
+          <p:cNvPr id="6" name="Content Placeholder 5" descr="A screenshot of a cell phone&#10;&#10;Description automatically generated">
+            <a:extLst>
+              <a:ext uri="{FF2B5EF4-FFF2-40B4-BE49-F238E27FC236}">
+                <a16:creationId xmlns:a16="http://schemas.microsoft.com/office/drawing/2014/main" id="{9EC2C0A0-50AE-0849-B965-A0CA07F959C6}"/>
+              </a:ext>
+            </a:extLst>
+          </p:cNvPr>
+          <p:cNvPicPr>
+            <a:picLocks noGrp="1" noChangeAspect="1"/>
+          </p:cNvPicPr>
+          <p:nvPr>
+            <p:ph idx="1"/>
+          </p:nvPr>
+        </p:nvPicPr>
+        <p:blipFill>
+          <a:blip r:embed="rId3"/>
+          <a:stretch>
+            <a:fillRect/>
+          </a:stretch>
+        </p:blipFill>
+        <p:spPr>
+          <a:xfrm>
+            <a:off x="1746893" y="1703071"/>
+            <a:ext cx="8822682" cy="4207000"/>
+          </a:xfrm>
+        </p:spPr>
+      </p:pic>
+    </p:spTree>
+    <p:extLst>
+      <p:ext uri="{BB962C8B-B14F-4D97-AF65-F5344CB8AC3E}">
+        <p14:creationId xmlns:p14="http://schemas.microsoft.com/office/powerpoint/2010/main" val="3762146096"/>
+      </p:ext>
+    </p:extLst>
+  </p:cSld>
+  <p:clrMapOvr>
+    <a:masterClrMapping/>
+  </p:clrMapOvr>
+</p:sld>
+</file>
+
+<file path=ppt/slides/slide13.xml><?xml version="1.0" encoding="utf-8"?>
+<p:sld xmlns:a="http://schemas.openxmlformats.org/drawingml/2006/main" xmlns:r="http://schemas.openxmlformats.org/officeDocument/2006/relationships" xmlns:p="http://schemas.openxmlformats.org/presentationml/2006/main">
+  <p:cSld>
+    <p:spTree>
+      <p:nvGrpSpPr>
+        <p:cNvPr id="1" name=""/>
+        <p:cNvGrpSpPr/>
+        <p:nvPr/>
+      </p:nvGrpSpPr>
+      <p:grpSpPr>
+        <a:xfrm>
+          <a:off x="0" y="0"/>
+          <a:ext cx="0" cy="0"/>
+          <a:chOff x="0" y="0"/>
+          <a:chExt cx="0" cy="0"/>
+        </a:xfrm>
+      </p:grpSpPr>
+      <p:sp>
+        <p:nvSpPr>
+          <p:cNvPr id="2" name="Title 1">
+            <a:extLst>
+              <a:ext uri="{FF2B5EF4-FFF2-40B4-BE49-F238E27FC236}">
                 <a16:creationId xmlns:a16="http://schemas.microsoft.com/office/drawing/2014/main" id="{FF45BAC4-63B8-AA49-A615-1B3278E63EB9}"/>
               </a:ext>
             </a:extLst>
@@ -6511,7 +6716,7 @@
 </p:sld>
 </file>
 
-<file path=ppt/slides/slide13.xml><?xml version="1.0" encoding="utf-8"?>
+<file path=ppt/slides/slide14.xml><?xml version="1.0" encoding="utf-8"?>
 <p:sld xmlns:a="http://schemas.openxmlformats.org/drawingml/2006/main" xmlns:r="http://schemas.openxmlformats.org/officeDocument/2006/relationships" xmlns:p="http://schemas.openxmlformats.org/presentationml/2006/main">
   <p:cSld>
     <p:spTree>
@@ -6697,7 +6902,12 @@
             <p:ph idx="1"/>
           </p:nvPr>
         </p:nvSpPr>
-        <p:spPr/>
+        <p:spPr>
+          <a:xfrm>
+            <a:off x="2773599" y="2052116"/>
+            <a:ext cx="7796540" cy="2369413"/>
+          </a:xfrm>
+        </p:spPr>
         <p:txBody>
           <a:bodyPr/>
           <a:lstStyle/>
@@ -6789,7 +6999,12 @@
             <p:ph idx="1"/>
           </p:nvPr>
         </p:nvSpPr>
-        <p:spPr/>
+        <p:spPr>
+          <a:xfrm>
+            <a:off x="2773599" y="2052116"/>
+            <a:ext cx="7796540" cy="2404137"/>
+          </a:xfrm>
+        </p:spPr>
         <p:txBody>
           <a:bodyPr/>
           <a:lstStyle/>
@@ -7133,7 +7348,7 @@
           <a:p>
             <a:r>
               <a:rPr lang="en-US" dirty="0"/>
-              <a:t>Simple to run !</a:t>
+              <a:t>Simple to build !</a:t>
             </a:r>
           </a:p>
         </p:txBody>
@@ -7154,34 +7369,15 @@
             <p:ph idx="1"/>
           </p:nvPr>
         </p:nvSpPr>
-        <p:spPr/>
-        <p:txBody>
-          <a:bodyPr/>
-          <a:lstStyle/>
-          <a:p>
-            <a:r>
-              <a:rPr lang="en-US" dirty="0" err="1"/>
-              <a:t>mkdir</a:t>
-            </a:r>
-            <a:r>
-              <a:rPr lang="en-US" dirty="0"/>
-              <a:t> ~/data</a:t>
-            </a:r>
-          </a:p>
-          <a:p>
-            <a:r>
-              <a:rPr lang="en-US" dirty="0"/>
-              <a:t>docker run -d -p 27017:27017 -v ~/data:/data/</a:t>
-            </a:r>
-            <a:r>
-              <a:rPr lang="en-US" dirty="0" err="1"/>
-              <a:t>db</a:t>
-            </a:r>
-            <a:r>
-              <a:rPr lang="en-US" dirty="0"/>
-              <a:t> mongo</a:t>
-            </a:r>
-          </a:p>
+        <p:spPr>
+          <a:xfrm>
+            <a:off x="2773599" y="2052116"/>
+            <a:ext cx="7796540" cy="2068471"/>
+          </a:xfrm>
+        </p:spPr>
+        <p:txBody>
+          <a:bodyPr/>
+          <a:lstStyle/>
           <a:p>
             <a:r>
               <a:rPr lang="en-US" dirty="0" err="1"/>
@@ -7189,8 +7385,13 @@
             </a:r>
             <a:r>
               <a:rPr lang="en-US" dirty="0"/>
-              <a:t> run start</a:t>
-            </a:r>
+              <a:t> </a:t>
+            </a:r>
+            <a:r>
+              <a:rPr lang="en-US" dirty="0" err="1"/>
+              <a:t>i</a:t>
+            </a:r>
+            <a:endParaRPr lang="en-US" dirty="0"/>
           </a:p>
         </p:txBody>
       </p:sp>
@@ -7229,7 +7430,7 @@
           <p:cNvPr id="2" name="Title 1">
             <a:extLst>
               <a:ext uri="{FF2B5EF4-FFF2-40B4-BE49-F238E27FC236}">
-                <a16:creationId xmlns:a16="http://schemas.microsoft.com/office/drawing/2014/main" id="{5A927706-1ADF-1143-9605-FF0281AD8799}"/>
+                <a16:creationId xmlns:a16="http://schemas.microsoft.com/office/drawing/2014/main" id="{D12EAC50-9002-2641-855D-EA86054C07FD}"/>
               </a:ext>
             </a:extLst>
           </p:cNvPr>
@@ -7247,44 +7448,76 @@
           <a:p>
             <a:r>
               <a:rPr lang="en-US" dirty="0"/>
-              <a:t>Demo</a:t>
-            </a:r>
-          </a:p>
-        </p:txBody>
-      </p:sp>
-      <p:pic>
-        <p:nvPicPr>
-          <p:cNvPr id="6" name="Content Placeholder 5">
+              <a:t>Simple to run !</a:t>
+            </a:r>
+          </a:p>
+        </p:txBody>
+      </p:sp>
+      <p:sp>
+        <p:nvSpPr>
+          <p:cNvPr id="3" name="Content Placeholder 2">
             <a:extLst>
               <a:ext uri="{FF2B5EF4-FFF2-40B4-BE49-F238E27FC236}">
-                <a16:creationId xmlns:a16="http://schemas.microsoft.com/office/drawing/2014/main" id="{D1028A9B-AF5A-2745-8EBB-582C0842191A}"/>
+                <a16:creationId xmlns:a16="http://schemas.microsoft.com/office/drawing/2014/main" id="{3816B4DF-CC2B-2040-8FF2-77736B1AFCB7}"/>
               </a:ext>
             </a:extLst>
           </p:cNvPr>
-          <p:cNvPicPr>
-            <a:picLocks noGrp="1" noChangeAspect="1"/>
-          </p:cNvPicPr>
+          <p:cNvSpPr>
+            <a:spLocks noGrp="1"/>
+          </p:cNvSpPr>
           <p:nvPr>
             <p:ph idx="1"/>
           </p:nvPr>
-        </p:nvPicPr>
-        <p:blipFill>
-          <a:blip r:embed="rId3"/>
-          <a:stretch>
-            <a:fillRect/>
-          </a:stretch>
-        </p:blipFill>
+        </p:nvSpPr>
         <p:spPr>
           <a:xfrm>
-            <a:off x="2761328" y="2098001"/>
-            <a:ext cx="7009993" cy="3951943"/>
-          </a:xfrm>
-        </p:spPr>
-      </p:pic>
+            <a:off x="2773599" y="2052116"/>
+            <a:ext cx="7796540" cy="2276816"/>
+          </a:xfrm>
+        </p:spPr>
+        <p:txBody>
+          <a:bodyPr/>
+          <a:lstStyle/>
+          <a:p>
+            <a:r>
+              <a:rPr lang="en-US" dirty="0" err="1"/>
+              <a:t>mkdir</a:t>
+            </a:r>
+            <a:r>
+              <a:rPr lang="en-US" dirty="0"/>
+              <a:t> ~/data</a:t>
+            </a:r>
+          </a:p>
+          <a:p>
+            <a:r>
+              <a:rPr lang="en-US" dirty="0"/>
+              <a:t>docker run -d -p 27017:27017 -v ~/data:/data/</a:t>
+            </a:r>
+            <a:r>
+              <a:rPr lang="en-US" dirty="0" err="1"/>
+              <a:t>db</a:t>
+            </a:r>
+            <a:r>
+              <a:rPr lang="en-US" dirty="0"/>
+              <a:t> mongo</a:t>
+            </a:r>
+          </a:p>
+          <a:p>
+            <a:r>
+              <a:rPr lang="en-US" dirty="0" err="1"/>
+              <a:t>npm</a:t>
+            </a:r>
+            <a:r>
+              <a:rPr lang="en-US" dirty="0"/>
+              <a:t> run start</a:t>
+            </a:r>
+          </a:p>
+        </p:txBody>
+      </p:sp>
     </p:spTree>
     <p:extLst>
       <p:ext uri="{BB962C8B-B14F-4D97-AF65-F5344CB8AC3E}">
-        <p14:creationId xmlns:p14="http://schemas.microsoft.com/office/powerpoint/2010/main" val="2793259243"/>
+        <p14:creationId xmlns:p14="http://schemas.microsoft.com/office/powerpoint/2010/main" val="2853544548"/>
       </p:ext>
     </p:extLst>
   </p:cSld>
@@ -7316,7 +7549,7 @@
           <p:cNvPr id="2" name="Title 1">
             <a:extLst>
               <a:ext uri="{FF2B5EF4-FFF2-40B4-BE49-F238E27FC236}">
-                <a16:creationId xmlns:a16="http://schemas.microsoft.com/office/drawing/2014/main" id="{AA8CCAA8-2200-884F-B633-870188A2BE1E}"/>
+                <a16:creationId xmlns:a16="http://schemas.microsoft.com/office/drawing/2014/main" id="{5A927706-1ADF-1143-9605-FF0281AD8799}"/>
               </a:ext>
             </a:extLst>
           </p:cNvPr>
@@ -7334,89 +7567,44 @@
           <a:p>
             <a:r>
               <a:rPr lang="en-US" dirty="0"/>
-              <a:t>What else?</a:t>
-            </a:r>
-          </a:p>
-        </p:txBody>
-      </p:sp>
-      <p:sp>
-        <p:nvSpPr>
-          <p:cNvPr id="4" name="TextBox 3">
+              <a:t>Demo</a:t>
+            </a:r>
+          </a:p>
+        </p:txBody>
+      </p:sp>
+      <p:pic>
+        <p:nvPicPr>
+          <p:cNvPr id="6" name="Content Placeholder 5">
             <a:extLst>
               <a:ext uri="{FF2B5EF4-FFF2-40B4-BE49-F238E27FC236}">
-                <a16:creationId xmlns:a16="http://schemas.microsoft.com/office/drawing/2014/main" id="{9B5FCFF1-266C-E34E-BF7E-112C9AB12415}"/>
+                <a16:creationId xmlns:a16="http://schemas.microsoft.com/office/drawing/2014/main" id="{D1028A9B-AF5A-2745-8EBB-582C0842191A}"/>
               </a:ext>
             </a:extLst>
           </p:cNvPr>
-          <p:cNvSpPr txBox="1"/>
-          <p:nvPr/>
-        </p:nvSpPr>
+          <p:cNvPicPr>
+            <a:picLocks noGrp="1" noChangeAspect="1"/>
+          </p:cNvPicPr>
+          <p:nvPr>
+            <p:ph idx="1"/>
+          </p:nvPr>
+        </p:nvPicPr>
+        <p:blipFill>
+          <a:blip r:embed="rId3"/>
+          <a:stretch>
+            <a:fillRect/>
+          </a:stretch>
+        </p:blipFill>
         <p:spPr>
           <a:xfrm>
-            <a:off x="2936383" y="2086377"/>
-            <a:ext cx="6930102" cy="2308324"/>
-          </a:xfrm>
-          <a:prstGeom prst="rect">
-            <a:avLst/>
-          </a:prstGeom>
-          <a:noFill/>
-        </p:spPr>
-        <p:txBody>
-          <a:bodyPr wrap="none" rtlCol="0">
-            <a:spAutoFit/>
-          </a:bodyPr>
-          <a:lstStyle/>
-          <a:p>
-            <a:r>
-              <a:rPr lang="en-US" dirty="0"/>
-              <a:t>Q: What happens if I do not release/unlock my profile entry?</a:t>
-            </a:r>
-          </a:p>
-          <a:p>
-            <a:r>
-              <a:rPr lang="en-US" dirty="0"/>
-              <a:t>A: By default, all locked profile entries will unlock after 10 minutes.</a:t>
-            </a:r>
-          </a:p>
-          <a:p>
-            <a:endParaRPr lang="en-US" dirty="0"/>
-          </a:p>
-          <a:p>
-            <a:r>
-              <a:rPr lang="en-US" dirty="0"/>
-              <a:t>Q: What if I want to use this in multiple environments?</a:t>
-            </a:r>
-          </a:p>
-          <a:p>
-            <a:r>
-              <a:rPr lang="en-US" dirty="0"/>
-              <a:t>A: At GoDaddy, we put the environment in the profile name</a:t>
-            </a:r>
-          </a:p>
-          <a:p>
-            <a:r>
-              <a:rPr lang="en-US" dirty="0"/>
-              <a:t>    blog-dev</a:t>
-            </a:r>
-          </a:p>
-          <a:p>
-            <a:r>
-              <a:rPr lang="en-US" dirty="0"/>
-              <a:t>    blog-test</a:t>
-            </a:r>
-          </a:p>
-          <a:p>
-            <a:r>
-              <a:rPr lang="en-US" dirty="0"/>
-              <a:t>    blog-prod</a:t>
-            </a:r>
-          </a:p>
-        </p:txBody>
-      </p:sp>
+            <a:off x="2761328" y="2098001"/>
+            <a:ext cx="7009993" cy="3951943"/>
+          </a:xfrm>
+        </p:spPr>
+      </p:pic>
     </p:spTree>
     <p:extLst>
       <p:ext uri="{BB962C8B-B14F-4D97-AF65-F5344CB8AC3E}">
-        <p14:creationId xmlns:p14="http://schemas.microsoft.com/office/powerpoint/2010/main" val="2480923912"/>
+        <p14:creationId xmlns:p14="http://schemas.microsoft.com/office/powerpoint/2010/main" val="2793259243"/>
       </p:ext>
     </p:extLst>
   </p:cSld>
@@ -7448,7 +7636,7 @@
           <p:cNvPr id="2" name="Title 1">
             <a:extLst>
               <a:ext uri="{FF2B5EF4-FFF2-40B4-BE49-F238E27FC236}">
-                <a16:creationId xmlns:a16="http://schemas.microsoft.com/office/drawing/2014/main" id="{5465A051-A7F1-F54E-A88E-9CE31463C37C}"/>
+                <a16:creationId xmlns:a16="http://schemas.microsoft.com/office/drawing/2014/main" id="{AA8CCAA8-2200-884F-B633-870188A2BE1E}"/>
               </a:ext>
             </a:extLst>
           </p:cNvPr>
@@ -7466,35 +7654,81 @@
           <a:p>
             <a:r>
               <a:rPr lang="en-US" dirty="0"/>
-              <a:t>Gotcha</a:t>
-            </a:r>
-          </a:p>
-        </p:txBody>
-      </p:sp>
-      <p:sp>
-        <p:nvSpPr>
-          <p:cNvPr id="3" name="Content Placeholder 2">
+              <a:t>What else?</a:t>
+            </a:r>
+          </a:p>
+        </p:txBody>
+      </p:sp>
+      <p:sp>
+        <p:nvSpPr>
+          <p:cNvPr id="4" name="TextBox 3">
             <a:extLst>
               <a:ext uri="{FF2B5EF4-FFF2-40B4-BE49-F238E27FC236}">
-                <a16:creationId xmlns:a16="http://schemas.microsoft.com/office/drawing/2014/main" id="{3BC20387-E25F-8848-A33E-0731485D9A98}"/>
+                <a16:creationId xmlns:a16="http://schemas.microsoft.com/office/drawing/2014/main" id="{9B5FCFF1-266C-E34E-BF7E-112C9AB12415}"/>
               </a:ext>
             </a:extLst>
           </p:cNvPr>
-          <p:cNvSpPr>
-            <a:spLocks noGrp="1"/>
-          </p:cNvSpPr>
-          <p:nvPr>
-            <p:ph idx="1"/>
-          </p:nvPr>
-        </p:nvSpPr>
-        <p:spPr/>
-        <p:txBody>
-          <a:bodyPr/>
-          <a:lstStyle/>
-          <a:p>
-            <a:r>
-              <a:rPr lang="en-US" dirty="0"/>
-              <a:t>You do not create a profile. You add data to the service with a profile name.</a:t>
+          <p:cNvSpPr txBox="1"/>
+          <p:nvPr/>
+        </p:nvSpPr>
+        <p:spPr>
+          <a:xfrm>
+            <a:off x="2936383" y="2086377"/>
+            <a:ext cx="6930102" cy="2308324"/>
+          </a:xfrm>
+          <a:prstGeom prst="rect">
+            <a:avLst/>
+          </a:prstGeom>
+          <a:noFill/>
+        </p:spPr>
+        <p:txBody>
+          <a:bodyPr wrap="none" rtlCol="0">
+            <a:spAutoFit/>
+          </a:bodyPr>
+          <a:lstStyle/>
+          <a:p>
+            <a:r>
+              <a:rPr lang="en-US" dirty="0"/>
+              <a:t>Q: What happens if I do not release/unlock my profile entry?</a:t>
+            </a:r>
+          </a:p>
+          <a:p>
+            <a:r>
+              <a:rPr lang="en-US" dirty="0"/>
+              <a:t>A: By default, all locked profile entries will unlock after 10 minutes.</a:t>
+            </a:r>
+          </a:p>
+          <a:p>
+            <a:endParaRPr lang="en-US" dirty="0"/>
+          </a:p>
+          <a:p>
+            <a:r>
+              <a:rPr lang="en-US" dirty="0"/>
+              <a:t>Q: What if I want to use this in multiple environments?</a:t>
+            </a:r>
+          </a:p>
+          <a:p>
+            <a:r>
+              <a:rPr lang="en-US" dirty="0"/>
+              <a:t>A: At GoDaddy, we put the environment in the profile name</a:t>
+            </a:r>
+          </a:p>
+          <a:p>
+            <a:r>
+              <a:rPr lang="en-US" dirty="0"/>
+              <a:t>    blog-dev</a:t>
+            </a:r>
+          </a:p>
+          <a:p>
+            <a:r>
+              <a:rPr lang="en-US" dirty="0"/>
+              <a:t>    blog-test</a:t>
+            </a:r>
+          </a:p>
+          <a:p>
+            <a:r>
+              <a:rPr lang="en-US" dirty="0"/>
+              <a:t>    blog-prod</a:t>
             </a:r>
           </a:p>
         </p:txBody>
@@ -7502,7 +7736,7 @@
     </p:spTree>
     <p:extLst>
       <p:ext uri="{BB962C8B-B14F-4D97-AF65-F5344CB8AC3E}">
-        <p14:creationId xmlns:p14="http://schemas.microsoft.com/office/powerpoint/2010/main" val="157270856"/>
+        <p14:creationId xmlns:p14="http://schemas.microsoft.com/office/powerpoint/2010/main" val="2480923912"/>
       </p:ext>
     </p:extLst>
   </p:cSld>
